--- a/Resources/doc/H2C2.pptx
+++ b/Resources/doc/H2C2.pptx
@@ -184,7 +184,7 @@
           <a:noFill/>
           <a:extLst>
             <a:ext uri="{909E8E84-426E-40dd-AFC4-6F175D3DCCD1}">
-              <a14:hiddenFill xmlns="" xmlns:a14="http://schemas.microsoft.com/office/drawing/2010/main">
+              <a14:hiddenFill xmlns:a14="http://schemas.microsoft.com/office/drawing/2010/main" xmlns="">
                 <a:solidFill>
                   <a:srgbClr val="FFFFFF"/>
                 </a:solidFill>
@@ -243,7 +243,7 @@
             </a:ln>
             <a:extLst>
               <a:ext uri="{91240B29-F687-4f45-9708-019B960494DF}">
-                <a14:hiddenLine xmlns="" xmlns:a14="http://schemas.microsoft.com/office/drawing/2010/main" w="9525">
+                <a14:hiddenLine xmlns:a14="http://schemas.microsoft.com/office/drawing/2010/main" xmlns="" w="9525">
                   <a:solidFill>
                     <a:srgbClr val="000000"/>
                   </a:solidFill>
@@ -333,7 +333,7 @@
             </a:ln>
             <a:extLst>
               <a:ext uri="{91240B29-F687-4f45-9708-019B960494DF}">
-                <a14:hiddenLine xmlns="" xmlns:a14="http://schemas.microsoft.com/office/drawing/2010/main" w="9525">
+                <a14:hiddenLine xmlns:a14="http://schemas.microsoft.com/office/drawing/2010/main" xmlns="" w="9525">
                   <a:solidFill>
                     <a:srgbClr val="000000"/>
                   </a:solidFill>
@@ -423,7 +423,7 @@
             </a:ln>
             <a:extLst>
               <a:ext uri="{91240B29-F687-4f45-9708-019B960494DF}">
-                <a14:hiddenLine xmlns="" xmlns:a14="http://schemas.microsoft.com/office/drawing/2010/main" w="9525">
+                <a14:hiddenLine xmlns:a14="http://schemas.microsoft.com/office/drawing/2010/main" xmlns="" w="9525">
                   <a:solidFill>
                     <a:srgbClr val="000000"/>
                   </a:solidFill>
@@ -457,7 +457,7 @@
             </a:ln>
             <a:extLst>
               <a:ext uri="{91240B29-F687-4f45-9708-019B960494DF}">
-                <a14:hiddenLine xmlns="" xmlns:a14="http://schemas.microsoft.com/office/drawing/2010/main" w="9525">
+                <a14:hiddenLine xmlns:a14="http://schemas.microsoft.com/office/drawing/2010/main" xmlns="" w="9525">
                   <a:solidFill>
                     <a:srgbClr val="000000"/>
                   </a:solidFill>
@@ -547,7 +547,7 @@
             </a:ln>
             <a:extLst>
               <a:ext uri="{91240B29-F687-4f45-9708-019B960494DF}">
-                <a14:hiddenLine xmlns="" xmlns:a14="http://schemas.microsoft.com/office/drawing/2010/main" w="9525">
+                <a14:hiddenLine xmlns:a14="http://schemas.microsoft.com/office/drawing/2010/main" xmlns="" w="9525">
                   <a:solidFill>
                     <a:srgbClr val="000000"/>
                   </a:solidFill>
@@ -609,7 +609,7 @@
             </a:ln>
             <a:extLst>
               <a:ext uri="{91240B29-F687-4f45-9708-019B960494DF}">
-                <a14:hiddenLine xmlns="" xmlns:a14="http://schemas.microsoft.com/office/drawing/2010/main" w="9525">
+                <a14:hiddenLine xmlns:a14="http://schemas.microsoft.com/office/drawing/2010/main" xmlns="" w="9525">
                   <a:solidFill>
                     <a:srgbClr val="000000"/>
                   </a:solidFill>
@@ -671,7 +671,7 @@
             </a:ln>
             <a:extLst>
               <a:ext uri="{91240B29-F687-4f45-9708-019B960494DF}">
-                <a14:hiddenLine xmlns="" xmlns:a14="http://schemas.microsoft.com/office/drawing/2010/main" w="9525">
+                <a14:hiddenLine xmlns:a14="http://schemas.microsoft.com/office/drawing/2010/main" xmlns="" w="9525">
                   <a:solidFill>
                     <a:srgbClr val="000000"/>
                   </a:solidFill>
@@ -761,7 +761,7 @@
             </a:ln>
             <a:extLst>
               <a:ext uri="{91240B29-F687-4f45-9708-019B960494DF}">
-                <a14:hiddenLine xmlns="" xmlns:a14="http://schemas.microsoft.com/office/drawing/2010/main" w="9525">
+                <a14:hiddenLine xmlns:a14="http://schemas.microsoft.com/office/drawing/2010/main" xmlns="" w="9525">
                   <a:solidFill>
                     <a:srgbClr val="000000"/>
                   </a:solidFill>
@@ -823,7 +823,7 @@
             </a:ln>
             <a:extLst>
               <a:ext uri="{91240B29-F687-4f45-9708-019B960494DF}">
-                <a14:hiddenLine xmlns="" xmlns:a14="http://schemas.microsoft.com/office/drawing/2010/main" w="9525">
+                <a14:hiddenLine xmlns:a14="http://schemas.microsoft.com/office/drawing/2010/main" xmlns="" w="9525">
                   <a:solidFill>
                     <a:srgbClr val="000000"/>
                   </a:solidFill>
@@ -885,7 +885,7 @@
             </a:ln>
             <a:extLst>
               <a:ext uri="{91240B29-F687-4f45-9708-019B960494DF}">
-                <a14:hiddenLine xmlns="" xmlns:a14="http://schemas.microsoft.com/office/drawing/2010/main" w="9525">
+                <a14:hiddenLine xmlns:a14="http://schemas.microsoft.com/office/drawing/2010/main" xmlns="" w="9525">
                   <a:solidFill>
                     <a:srgbClr val="000000"/>
                   </a:solidFill>
@@ -975,7 +975,7 @@
             </a:ln>
             <a:extLst>
               <a:ext uri="{91240B29-F687-4f45-9708-019B960494DF}">
-                <a14:hiddenLine xmlns="" xmlns:a14="http://schemas.microsoft.com/office/drawing/2010/main" w="9525">
+                <a14:hiddenLine xmlns:a14="http://schemas.microsoft.com/office/drawing/2010/main" xmlns="" w="9525">
                   <a:solidFill>
                     <a:srgbClr val="000000"/>
                   </a:solidFill>
@@ -1065,7 +1065,7 @@
             </a:ln>
             <a:extLst>
               <a:ext uri="{91240B29-F687-4f45-9708-019B960494DF}">
-                <a14:hiddenLine xmlns="" xmlns:a14="http://schemas.microsoft.com/office/drawing/2010/main" w="9525">
+                <a14:hiddenLine xmlns:a14="http://schemas.microsoft.com/office/drawing/2010/main" xmlns="" w="9525">
                   <a:solidFill>
                     <a:srgbClr val="000000"/>
                   </a:solidFill>
@@ -1127,7 +1127,7 @@
             </a:ln>
             <a:extLst>
               <a:ext uri="{91240B29-F687-4f45-9708-019B960494DF}">
-                <a14:hiddenLine xmlns="" xmlns:a14="http://schemas.microsoft.com/office/drawing/2010/main" w="9525">
+                <a14:hiddenLine xmlns:a14="http://schemas.microsoft.com/office/drawing/2010/main" xmlns="" w="9525">
                   <a:solidFill>
                     <a:srgbClr val="000000"/>
                   </a:solidFill>
@@ -1237,7 +1237,7 @@
             </a:ln>
             <a:extLst>
               <a:ext uri="{91240B29-F687-4f45-9708-019B960494DF}">
-                <a14:hiddenLine xmlns="" xmlns:a14="http://schemas.microsoft.com/office/drawing/2010/main" w="9525">
+                <a14:hiddenLine xmlns:a14="http://schemas.microsoft.com/office/drawing/2010/main" xmlns="" w="9525">
                   <a:solidFill>
                     <a:srgbClr val="000000"/>
                   </a:solidFill>
@@ -1299,7 +1299,7 @@
             </a:ln>
             <a:extLst>
               <a:ext uri="{91240B29-F687-4f45-9708-019B960494DF}">
-                <a14:hiddenLine xmlns="" xmlns:a14="http://schemas.microsoft.com/office/drawing/2010/main" w="9525">
+                <a14:hiddenLine xmlns:a14="http://schemas.microsoft.com/office/drawing/2010/main" xmlns="" w="9525">
                   <a:solidFill>
                     <a:srgbClr val="000000"/>
                   </a:solidFill>
@@ -1389,7 +1389,7 @@
             </a:ln>
             <a:extLst>
               <a:ext uri="{91240B29-F687-4f45-9708-019B960494DF}">
-                <a14:hiddenLine xmlns="" xmlns:a14="http://schemas.microsoft.com/office/drawing/2010/main" w="9525">
+                <a14:hiddenLine xmlns:a14="http://schemas.microsoft.com/office/drawing/2010/main" xmlns="" w="9525">
                   <a:solidFill>
                     <a:srgbClr val="000000"/>
                   </a:solidFill>
@@ -1479,7 +1479,7 @@
             </a:ln>
             <a:extLst>
               <a:ext uri="{91240B29-F687-4f45-9708-019B960494DF}">
-                <a14:hiddenLine xmlns="" xmlns:a14="http://schemas.microsoft.com/office/drawing/2010/main" w="9525">
+                <a14:hiddenLine xmlns:a14="http://schemas.microsoft.com/office/drawing/2010/main" xmlns="" w="9525">
                   <a:solidFill>
                     <a:srgbClr val="000000"/>
                   </a:solidFill>
@@ -1541,7 +1541,7 @@
             </a:ln>
             <a:extLst>
               <a:ext uri="{91240B29-F687-4f45-9708-019B960494DF}">
-                <a14:hiddenLine xmlns="" xmlns:a14="http://schemas.microsoft.com/office/drawing/2010/main" w="9525">
+                <a14:hiddenLine xmlns:a14="http://schemas.microsoft.com/office/drawing/2010/main" xmlns="" w="9525">
                   <a:solidFill>
                     <a:srgbClr val="000000"/>
                   </a:solidFill>
@@ -1631,7 +1631,7 @@
             </a:ln>
             <a:extLst>
               <a:ext uri="{91240B29-F687-4f45-9708-019B960494DF}">
-                <a14:hiddenLine xmlns="" xmlns:a14="http://schemas.microsoft.com/office/drawing/2010/main" w="9525">
+                <a14:hiddenLine xmlns:a14="http://schemas.microsoft.com/office/drawing/2010/main" xmlns="" w="9525">
                   <a:solidFill>
                     <a:srgbClr val="000000"/>
                   </a:solidFill>
@@ -1721,7 +1721,7 @@
             </a:ln>
             <a:extLst>
               <a:ext uri="{91240B29-F687-4f45-9708-019B960494DF}">
-                <a14:hiddenLine xmlns="" xmlns:a14="http://schemas.microsoft.com/office/drawing/2010/main" w="9525">
+                <a14:hiddenLine xmlns:a14="http://schemas.microsoft.com/office/drawing/2010/main" xmlns="" w="9525">
                   <a:solidFill>
                     <a:srgbClr val="000000"/>
                   </a:solidFill>
@@ -1777,7 +1777,7 @@
             </a:ln>
             <a:extLst>
               <a:ext uri="{91240B29-F687-4f45-9708-019B960494DF}">
-                <a14:hiddenLine xmlns="" xmlns:a14="http://schemas.microsoft.com/office/drawing/2010/main" w="9525">
+                <a14:hiddenLine xmlns:a14="http://schemas.microsoft.com/office/drawing/2010/main" xmlns="" w="9525">
                   <a:solidFill>
                     <a:srgbClr val="000000"/>
                   </a:solidFill>
@@ -1867,7 +1867,7 @@
             </a:ln>
             <a:extLst>
               <a:ext uri="{91240B29-F687-4f45-9708-019B960494DF}">
-                <a14:hiddenLine xmlns="" xmlns:a14="http://schemas.microsoft.com/office/drawing/2010/main" w="9525">
+                <a14:hiddenLine xmlns:a14="http://schemas.microsoft.com/office/drawing/2010/main" xmlns="" w="9525">
                   <a:solidFill>
                     <a:srgbClr val="000000"/>
                   </a:solidFill>
@@ -1923,7 +1923,7 @@
             </a:ln>
             <a:extLst>
               <a:ext uri="{91240B29-F687-4f45-9708-019B960494DF}">
-                <a14:hiddenLine xmlns="" xmlns:a14="http://schemas.microsoft.com/office/drawing/2010/main" w="9525">
+                <a14:hiddenLine xmlns:a14="http://schemas.microsoft.com/office/drawing/2010/main" xmlns="" w="9525">
                   <a:solidFill>
                     <a:srgbClr val="000000"/>
                   </a:solidFill>
@@ -2013,7 +2013,7 @@
             </a:ln>
             <a:extLst>
               <a:ext uri="{91240B29-F687-4f45-9708-019B960494DF}">
-                <a14:hiddenLine xmlns="" xmlns:a14="http://schemas.microsoft.com/office/drawing/2010/main" w="9525">
+                <a14:hiddenLine xmlns:a14="http://schemas.microsoft.com/office/drawing/2010/main" xmlns="" w="9525">
                   <a:solidFill>
                     <a:srgbClr val="000000"/>
                   </a:solidFill>
@@ -2081,7 +2081,7 @@
             </a:ln>
             <a:extLst>
               <a:ext uri="{91240B29-F687-4f45-9708-019B960494DF}">
-                <a14:hiddenLine xmlns="" xmlns:a14="http://schemas.microsoft.com/office/drawing/2010/main" w="9525">
+                <a14:hiddenLine xmlns:a14="http://schemas.microsoft.com/office/drawing/2010/main" xmlns="" w="9525">
                   <a:solidFill>
                     <a:srgbClr val="000000"/>
                   </a:solidFill>
@@ -2171,7 +2171,7 @@
             </a:ln>
             <a:extLst>
               <a:ext uri="{91240B29-F687-4f45-9708-019B960494DF}">
-                <a14:hiddenLine xmlns="" xmlns:a14="http://schemas.microsoft.com/office/drawing/2010/main" w="9525">
+                <a14:hiddenLine xmlns:a14="http://schemas.microsoft.com/office/drawing/2010/main" xmlns="" w="9525">
                   <a:solidFill>
                     <a:srgbClr val="000000"/>
                   </a:solidFill>
@@ -2239,7 +2239,7 @@
             </a:ln>
             <a:extLst>
               <a:ext uri="{91240B29-F687-4f45-9708-019B960494DF}">
-                <a14:hiddenLine xmlns="" xmlns:a14="http://schemas.microsoft.com/office/drawing/2010/main" w="9525">
+                <a14:hiddenLine xmlns:a14="http://schemas.microsoft.com/office/drawing/2010/main" xmlns="" w="9525">
                   <a:solidFill>
                     <a:srgbClr val="000000"/>
                   </a:solidFill>
@@ -2329,7 +2329,7 @@
             </a:ln>
             <a:extLst>
               <a:ext uri="{91240B29-F687-4f45-9708-019B960494DF}">
-                <a14:hiddenLine xmlns="" xmlns:a14="http://schemas.microsoft.com/office/drawing/2010/main" w="9525">
+                <a14:hiddenLine xmlns:a14="http://schemas.microsoft.com/office/drawing/2010/main" xmlns="" w="9525">
                   <a:solidFill>
                     <a:srgbClr val="000000"/>
                   </a:solidFill>
@@ -2363,7 +2363,7 @@
             </a:ln>
             <a:extLst>
               <a:ext uri="{91240B29-F687-4f45-9708-019B960494DF}">
-                <a14:hiddenLine xmlns="" xmlns:a14="http://schemas.microsoft.com/office/drawing/2010/main" w="9525">
+                <a14:hiddenLine xmlns:a14="http://schemas.microsoft.com/office/drawing/2010/main" xmlns="" w="9525">
                   <a:solidFill>
                     <a:srgbClr val="000000"/>
                   </a:solidFill>
@@ -2453,7 +2453,7 @@
             </a:ln>
             <a:extLst>
               <a:ext uri="{91240B29-F687-4f45-9708-019B960494DF}">
-                <a14:hiddenLine xmlns="" xmlns:a14="http://schemas.microsoft.com/office/drawing/2010/main" w="9525">
+                <a14:hiddenLine xmlns:a14="http://schemas.microsoft.com/office/drawing/2010/main" xmlns="" w="9525">
                   <a:solidFill>
                     <a:srgbClr val="000000"/>
                   </a:solidFill>
@@ -2515,7 +2515,7 @@
             </a:ln>
             <a:extLst>
               <a:ext uri="{91240B29-F687-4f45-9708-019B960494DF}">
-                <a14:hiddenLine xmlns="" xmlns:a14="http://schemas.microsoft.com/office/drawing/2010/main" w="9525">
+                <a14:hiddenLine xmlns:a14="http://schemas.microsoft.com/office/drawing/2010/main" xmlns="" w="9525">
                   <a:solidFill>
                     <a:srgbClr val="000000"/>
                   </a:solidFill>
@@ -2577,7 +2577,7 @@
             </a:ln>
             <a:extLst>
               <a:ext uri="{91240B29-F687-4f45-9708-019B960494DF}">
-                <a14:hiddenLine xmlns="" xmlns:a14="http://schemas.microsoft.com/office/drawing/2010/main" w="9525">
+                <a14:hiddenLine xmlns:a14="http://schemas.microsoft.com/office/drawing/2010/main" xmlns="" w="9525">
                   <a:solidFill>
                     <a:srgbClr val="000000"/>
                   </a:solidFill>
@@ -2667,7 +2667,7 @@
             </a:ln>
             <a:extLst>
               <a:ext uri="{91240B29-F687-4f45-9708-019B960494DF}">
-                <a14:hiddenLine xmlns="" xmlns:a14="http://schemas.microsoft.com/office/drawing/2010/main" w="9525">
+                <a14:hiddenLine xmlns:a14="http://schemas.microsoft.com/office/drawing/2010/main" xmlns="" w="9525">
                   <a:solidFill>
                     <a:srgbClr val="000000"/>
                   </a:solidFill>
@@ -2735,7 +2735,7 @@
             </a:ln>
             <a:extLst>
               <a:ext uri="{91240B29-F687-4f45-9708-019B960494DF}">
-                <a14:hiddenLine xmlns="" xmlns:a14="http://schemas.microsoft.com/office/drawing/2010/main" w="9525">
+                <a14:hiddenLine xmlns:a14="http://schemas.microsoft.com/office/drawing/2010/main" xmlns="" w="9525">
                   <a:solidFill>
                     <a:srgbClr val="000000"/>
                   </a:solidFill>
@@ -2797,7 +2797,7 @@
             </a:ln>
             <a:extLst>
               <a:ext uri="{91240B29-F687-4f45-9708-019B960494DF}">
-                <a14:hiddenLine xmlns="" xmlns:a14="http://schemas.microsoft.com/office/drawing/2010/main" w="9525">
+                <a14:hiddenLine xmlns:a14="http://schemas.microsoft.com/office/drawing/2010/main" xmlns="" w="9525">
                   <a:solidFill>
                     <a:srgbClr val="000000"/>
                   </a:solidFill>
@@ -2887,7 +2887,7 @@
             </a:ln>
             <a:extLst>
               <a:ext uri="{91240B29-F687-4f45-9708-019B960494DF}">
-                <a14:hiddenLine xmlns="" xmlns:a14="http://schemas.microsoft.com/office/drawing/2010/main" w="9525">
+                <a14:hiddenLine xmlns:a14="http://schemas.microsoft.com/office/drawing/2010/main" xmlns="" w="9525">
                   <a:solidFill>
                     <a:srgbClr val="000000"/>
                   </a:solidFill>
@@ -2949,7 +2949,7 @@
             </a:ln>
             <a:extLst>
               <a:ext uri="{91240B29-F687-4f45-9708-019B960494DF}">
-                <a14:hiddenLine xmlns="" xmlns:a14="http://schemas.microsoft.com/office/drawing/2010/main" w="9525">
+                <a14:hiddenLine xmlns:a14="http://schemas.microsoft.com/office/drawing/2010/main" xmlns="" w="9525">
                   <a:solidFill>
                     <a:srgbClr val="000000"/>
                   </a:solidFill>
@@ -3039,7 +3039,7 @@
             </a:ln>
             <a:extLst>
               <a:ext uri="{91240B29-F687-4f45-9708-019B960494DF}">
-                <a14:hiddenLine xmlns="" xmlns:a14="http://schemas.microsoft.com/office/drawing/2010/main" w="9525">
+                <a14:hiddenLine xmlns:a14="http://schemas.microsoft.com/office/drawing/2010/main" xmlns="" w="9525">
                   <a:solidFill>
                     <a:srgbClr val="000000"/>
                   </a:solidFill>
@@ -3101,7 +3101,7 @@
             </a:ln>
             <a:extLst>
               <a:ext uri="{91240B29-F687-4f45-9708-019B960494DF}">
-                <a14:hiddenLine xmlns="" xmlns:a14="http://schemas.microsoft.com/office/drawing/2010/main" w="9525">
+                <a14:hiddenLine xmlns:a14="http://schemas.microsoft.com/office/drawing/2010/main" xmlns="" w="9525">
                   <a:solidFill>
                     <a:srgbClr val="000000"/>
                   </a:solidFill>
@@ -3191,7 +3191,7 @@
             </a:ln>
             <a:extLst>
               <a:ext uri="{91240B29-F687-4f45-9708-019B960494DF}">
-                <a14:hiddenLine xmlns="" xmlns:a14="http://schemas.microsoft.com/office/drawing/2010/main" w="9525">
+                <a14:hiddenLine xmlns:a14="http://schemas.microsoft.com/office/drawing/2010/main" xmlns="" w="9525">
                   <a:solidFill>
                     <a:srgbClr val="000000"/>
                   </a:solidFill>
@@ -3225,7 +3225,7 @@
             </a:ln>
             <a:extLst>
               <a:ext uri="{91240B29-F687-4f45-9708-019B960494DF}">
-                <a14:hiddenLine xmlns="" xmlns:a14="http://schemas.microsoft.com/office/drawing/2010/main" w="9525">
+                <a14:hiddenLine xmlns:a14="http://schemas.microsoft.com/office/drawing/2010/main" xmlns="" w="9525">
                   <a:solidFill>
                     <a:srgbClr val="000000"/>
                   </a:solidFill>
@@ -3290,7 +3290,7 @@
             </a:ln>
             <a:extLst>
               <a:ext uri="{91240B29-F687-4f45-9708-019B960494DF}">
-                <a14:hiddenLine xmlns="" xmlns:a14="http://schemas.microsoft.com/office/drawing/2010/main" w="9525">
+                <a14:hiddenLine xmlns:a14="http://schemas.microsoft.com/office/drawing/2010/main" xmlns="" w="9525">
                   <a:solidFill>
                     <a:srgbClr val="000000"/>
                   </a:solidFill>
@@ -3380,7 +3380,7 @@
             </a:ln>
             <a:extLst>
               <a:ext uri="{91240B29-F687-4f45-9708-019B960494DF}">
-                <a14:hiddenLine xmlns="" xmlns:a14="http://schemas.microsoft.com/office/drawing/2010/main" w="9525">
+                <a14:hiddenLine xmlns:a14="http://schemas.microsoft.com/office/drawing/2010/main" xmlns="" w="9525">
                   <a:solidFill>
                     <a:srgbClr val="000000"/>
                   </a:solidFill>
@@ -3442,7 +3442,7 @@
             </a:ln>
             <a:extLst>
               <a:ext uri="{91240B29-F687-4f45-9708-019B960494DF}">
-                <a14:hiddenLine xmlns="" xmlns:a14="http://schemas.microsoft.com/office/drawing/2010/main" w="9525">
+                <a14:hiddenLine xmlns:a14="http://schemas.microsoft.com/office/drawing/2010/main" xmlns="" w="9525">
                   <a:solidFill>
                     <a:srgbClr val="000000"/>
                   </a:solidFill>
@@ -3532,7 +3532,7 @@
             </a:ln>
             <a:extLst>
               <a:ext uri="{91240B29-F687-4f45-9708-019B960494DF}">
-                <a14:hiddenLine xmlns="" xmlns:a14="http://schemas.microsoft.com/office/drawing/2010/main" w="9525">
+                <a14:hiddenLine xmlns:a14="http://schemas.microsoft.com/office/drawing/2010/main" xmlns="" w="9525">
                   <a:solidFill>
                     <a:srgbClr val="000000"/>
                   </a:solidFill>
@@ -3622,7 +3622,7 @@
             </a:ln>
             <a:extLst>
               <a:ext uri="{91240B29-F687-4f45-9708-019B960494DF}">
-                <a14:hiddenLine xmlns="" xmlns:a14="http://schemas.microsoft.com/office/drawing/2010/main" w="9525">
+                <a14:hiddenLine xmlns:a14="http://schemas.microsoft.com/office/drawing/2010/main" xmlns="" w="9525">
                   <a:solidFill>
                     <a:srgbClr val="000000"/>
                   </a:solidFill>
@@ -3687,7 +3687,7 @@
             </a:ln>
             <a:extLst>
               <a:ext uri="{91240B29-F687-4f45-9708-019B960494DF}">
-                <a14:hiddenLine xmlns="" xmlns:a14="http://schemas.microsoft.com/office/drawing/2010/main" w="9525">
+                <a14:hiddenLine xmlns:a14="http://schemas.microsoft.com/office/drawing/2010/main" xmlns="" w="9525">
                   <a:solidFill>
                     <a:srgbClr val="000000"/>
                   </a:solidFill>
@@ -3749,7 +3749,7 @@
             </a:ln>
             <a:extLst>
               <a:ext uri="{91240B29-F687-4f45-9708-019B960494DF}">
-                <a14:hiddenLine xmlns="" xmlns:a14="http://schemas.microsoft.com/office/drawing/2010/main" w="9525">
+                <a14:hiddenLine xmlns:a14="http://schemas.microsoft.com/office/drawing/2010/main" xmlns="" w="9525">
                   <a:solidFill>
                     <a:srgbClr val="000000"/>
                   </a:solidFill>
@@ -3839,7 +3839,7 @@
             </a:ln>
             <a:extLst>
               <a:ext uri="{91240B29-F687-4f45-9708-019B960494DF}">
-                <a14:hiddenLine xmlns="" xmlns:a14="http://schemas.microsoft.com/office/drawing/2010/main" w="9525">
+                <a14:hiddenLine xmlns:a14="http://schemas.microsoft.com/office/drawing/2010/main" xmlns="" w="9525">
                   <a:solidFill>
                     <a:srgbClr val="000000"/>
                   </a:solidFill>
@@ -3929,7 +3929,7 @@
             </a:ln>
             <a:extLst>
               <a:ext uri="{91240B29-F687-4f45-9708-019B960494DF}">
-                <a14:hiddenLine xmlns="" xmlns:a14="http://schemas.microsoft.com/office/drawing/2010/main" w="9525">
+                <a14:hiddenLine xmlns:a14="http://schemas.microsoft.com/office/drawing/2010/main" xmlns="" w="9525">
                   <a:solidFill>
                     <a:srgbClr val="000000"/>
                   </a:solidFill>
@@ -3991,7 +3991,7 @@
             </a:ln>
             <a:extLst>
               <a:ext uri="{91240B29-F687-4f45-9708-019B960494DF}">
-                <a14:hiddenLine xmlns="" xmlns:a14="http://schemas.microsoft.com/office/drawing/2010/main" w="9525">
+                <a14:hiddenLine xmlns:a14="http://schemas.microsoft.com/office/drawing/2010/main" xmlns="" w="9525">
                   <a:solidFill>
                     <a:srgbClr val="000000"/>
                   </a:solidFill>
@@ -4111,7 +4111,7 @@
             </a:ln>
             <a:extLst>
               <a:ext uri="{91240B29-F687-4f45-9708-019B960494DF}">
-                <a14:hiddenLine xmlns="" xmlns:a14="http://schemas.microsoft.com/office/drawing/2010/main" w="9525">
+                <a14:hiddenLine xmlns:a14="http://schemas.microsoft.com/office/drawing/2010/main" xmlns="" w="9525">
                   <a:solidFill>
                     <a:srgbClr val="000000"/>
                   </a:solidFill>
@@ -4179,7 +4179,7 @@
             </a:ln>
             <a:extLst>
               <a:ext uri="{91240B29-F687-4f45-9708-019B960494DF}">
-                <a14:hiddenLine xmlns="" xmlns:a14="http://schemas.microsoft.com/office/drawing/2010/main" w="9525">
+                <a14:hiddenLine xmlns:a14="http://schemas.microsoft.com/office/drawing/2010/main" xmlns="" w="9525">
                   <a:solidFill>
                     <a:srgbClr val="000000"/>
                   </a:solidFill>
@@ -4269,7 +4269,7 @@
             </a:ln>
             <a:extLst>
               <a:ext uri="{91240B29-F687-4f45-9708-019B960494DF}">
-                <a14:hiddenLine xmlns="" xmlns:a14="http://schemas.microsoft.com/office/drawing/2010/main" w="9525">
+                <a14:hiddenLine xmlns:a14="http://schemas.microsoft.com/office/drawing/2010/main" xmlns="" w="9525">
                   <a:solidFill>
                     <a:srgbClr val="000000"/>
                   </a:solidFill>
@@ -8998,7 +8998,7 @@
           <a:noFill/>
           <a:extLst>
             <a:ext uri="{909E8E84-426E-40dd-AFC4-6F175D3DCCD1}">
-              <a14:hiddenFill xmlns="" xmlns:a14="http://schemas.microsoft.com/office/drawing/2010/main">
+              <a14:hiddenFill xmlns:a14="http://schemas.microsoft.com/office/drawing/2010/main" xmlns="">
                 <a:solidFill>
                   <a:srgbClr val="FFFFFF"/>
                 </a:solidFill>
@@ -9072,7 +9072,7 @@
               </a:ln>
               <a:extLst>
                 <a:ext uri="{91240B29-F687-4f45-9708-019B960494DF}">
-                  <a14:hiddenLine xmlns="" xmlns:a14="http://schemas.microsoft.com/office/drawing/2010/main" w="9525">
+                  <a14:hiddenLine xmlns:a14="http://schemas.microsoft.com/office/drawing/2010/main" xmlns="" w="9525">
                     <a:solidFill>
                       <a:srgbClr val="000000"/>
                     </a:solidFill>
@@ -9162,7 +9162,7 @@
               </a:ln>
               <a:extLst>
                 <a:ext uri="{91240B29-F687-4f45-9708-019B960494DF}">
-                  <a14:hiddenLine xmlns="" xmlns:a14="http://schemas.microsoft.com/office/drawing/2010/main" w="9525">
+                  <a14:hiddenLine xmlns:a14="http://schemas.microsoft.com/office/drawing/2010/main" xmlns="" w="9525">
                     <a:solidFill>
                       <a:srgbClr val="000000"/>
                     </a:solidFill>
@@ -9252,7 +9252,7 @@
               </a:ln>
               <a:extLst>
                 <a:ext uri="{91240B29-F687-4f45-9708-019B960494DF}">
-                  <a14:hiddenLine xmlns="" xmlns:a14="http://schemas.microsoft.com/office/drawing/2010/main" w="9525">
+                  <a14:hiddenLine xmlns:a14="http://schemas.microsoft.com/office/drawing/2010/main" xmlns="" w="9525">
                     <a:solidFill>
                       <a:srgbClr val="000000"/>
                     </a:solidFill>
@@ -9314,7 +9314,7 @@
               </a:ln>
               <a:extLst>
                 <a:ext uri="{91240B29-F687-4f45-9708-019B960494DF}">
-                  <a14:hiddenLine xmlns="" xmlns:a14="http://schemas.microsoft.com/office/drawing/2010/main" w="9525">
+                  <a14:hiddenLine xmlns:a14="http://schemas.microsoft.com/office/drawing/2010/main" xmlns="" w="9525">
                     <a:solidFill>
                       <a:srgbClr val="000000"/>
                     </a:solidFill>
@@ -9404,7 +9404,7 @@
               </a:ln>
               <a:extLst>
                 <a:ext uri="{91240B29-F687-4f45-9708-019B960494DF}">
-                  <a14:hiddenLine xmlns="" xmlns:a14="http://schemas.microsoft.com/office/drawing/2010/main" w="9525">
+                  <a14:hiddenLine xmlns:a14="http://schemas.microsoft.com/office/drawing/2010/main" xmlns="" w="9525">
                     <a:solidFill>
                       <a:srgbClr val="000000"/>
                     </a:solidFill>
@@ -9466,7 +9466,7 @@
               </a:ln>
               <a:extLst>
                 <a:ext uri="{91240B29-F687-4f45-9708-019B960494DF}">
-                  <a14:hiddenLine xmlns="" xmlns:a14="http://schemas.microsoft.com/office/drawing/2010/main" w="9525">
+                  <a14:hiddenLine xmlns:a14="http://schemas.microsoft.com/office/drawing/2010/main" xmlns="" w="9525">
                     <a:solidFill>
                       <a:srgbClr val="000000"/>
                     </a:solidFill>
@@ -9528,7 +9528,7 @@
               </a:ln>
               <a:extLst>
                 <a:ext uri="{91240B29-F687-4f45-9708-019B960494DF}">
-                  <a14:hiddenLine xmlns="" xmlns:a14="http://schemas.microsoft.com/office/drawing/2010/main" w="9525">
+                  <a14:hiddenLine xmlns:a14="http://schemas.microsoft.com/office/drawing/2010/main" xmlns="" w="9525">
                     <a:solidFill>
                       <a:srgbClr val="000000"/>
                     </a:solidFill>
@@ -9618,7 +9618,7 @@
               </a:ln>
               <a:extLst>
                 <a:ext uri="{91240B29-F687-4f45-9708-019B960494DF}">
-                  <a14:hiddenLine xmlns="" xmlns:a14="http://schemas.microsoft.com/office/drawing/2010/main" w="9525">
+                  <a14:hiddenLine xmlns:a14="http://schemas.microsoft.com/office/drawing/2010/main" xmlns="" w="9525">
                     <a:solidFill>
                       <a:srgbClr val="000000"/>
                     </a:solidFill>
@@ -9708,7 +9708,7 @@
               </a:ln>
               <a:extLst>
                 <a:ext uri="{91240B29-F687-4f45-9708-019B960494DF}">
-                  <a14:hiddenLine xmlns="" xmlns:a14="http://schemas.microsoft.com/office/drawing/2010/main" w="9525">
+                  <a14:hiddenLine xmlns:a14="http://schemas.microsoft.com/office/drawing/2010/main" xmlns="" w="9525">
                     <a:solidFill>
                       <a:srgbClr val="000000"/>
                     </a:solidFill>
@@ -9770,7 +9770,7 @@
               </a:ln>
               <a:extLst>
                 <a:ext uri="{91240B29-F687-4f45-9708-019B960494DF}">
-                  <a14:hiddenLine xmlns="" xmlns:a14="http://schemas.microsoft.com/office/drawing/2010/main" w="9525">
+                  <a14:hiddenLine xmlns:a14="http://schemas.microsoft.com/office/drawing/2010/main" xmlns="" w="9525">
                     <a:solidFill>
                       <a:srgbClr val="000000"/>
                     </a:solidFill>
@@ -9880,7 +9880,7 @@
               </a:ln>
               <a:extLst>
                 <a:ext uri="{91240B29-F687-4f45-9708-019B960494DF}">
-                  <a14:hiddenLine xmlns="" xmlns:a14="http://schemas.microsoft.com/office/drawing/2010/main" w="9525">
+                  <a14:hiddenLine xmlns:a14="http://schemas.microsoft.com/office/drawing/2010/main" xmlns="" w="9525">
                     <a:solidFill>
                       <a:srgbClr val="000000"/>
                     </a:solidFill>
@@ -9964,7 +9964,7 @@
               </a:ln>
               <a:extLst>
                 <a:ext uri="{91240B29-F687-4f45-9708-019B960494DF}">
-                  <a14:hiddenLine xmlns="" xmlns:a14="http://schemas.microsoft.com/office/drawing/2010/main" w="9525">
+                  <a14:hiddenLine xmlns:a14="http://schemas.microsoft.com/office/drawing/2010/main" xmlns="" w="9525">
                     <a:solidFill>
                       <a:srgbClr val="000000"/>
                     </a:solidFill>
@@ -10026,7 +10026,7 @@
               </a:ln>
               <a:extLst>
                 <a:ext uri="{91240B29-F687-4f45-9708-019B960494DF}">
-                  <a14:hiddenLine xmlns="" xmlns:a14="http://schemas.microsoft.com/office/drawing/2010/main" w="9525">
+                  <a14:hiddenLine xmlns:a14="http://schemas.microsoft.com/office/drawing/2010/main" xmlns="" w="9525">
                     <a:solidFill>
                       <a:srgbClr val="000000"/>
                     </a:solidFill>
@@ -10088,7 +10088,7 @@
               </a:ln>
               <a:extLst>
                 <a:ext uri="{91240B29-F687-4f45-9708-019B960494DF}">
-                  <a14:hiddenLine xmlns="" xmlns:a14="http://schemas.microsoft.com/office/drawing/2010/main" w="9525">
+                  <a14:hiddenLine xmlns:a14="http://schemas.microsoft.com/office/drawing/2010/main" xmlns="" w="9525">
                     <a:solidFill>
                       <a:srgbClr val="000000"/>
                     </a:solidFill>
@@ -10178,7 +10178,7 @@
               </a:ln>
               <a:extLst>
                 <a:ext uri="{91240B29-F687-4f45-9708-019B960494DF}">
-                  <a14:hiddenLine xmlns="" xmlns:a14="http://schemas.microsoft.com/office/drawing/2010/main" w="9525">
+                  <a14:hiddenLine xmlns:a14="http://schemas.microsoft.com/office/drawing/2010/main" xmlns="" w="9525">
                     <a:solidFill>
                       <a:srgbClr val="000000"/>
                     </a:solidFill>
@@ -10212,7 +10212,7 @@
               </a:ln>
               <a:extLst>
                 <a:ext uri="{91240B29-F687-4f45-9708-019B960494DF}">
-                  <a14:hiddenLine xmlns="" xmlns:a14="http://schemas.microsoft.com/office/drawing/2010/main" w="9525">
+                  <a14:hiddenLine xmlns:a14="http://schemas.microsoft.com/office/drawing/2010/main" xmlns="" w="9525">
                     <a:solidFill>
                       <a:srgbClr val="000000"/>
                     </a:solidFill>
@@ -10277,7 +10277,7 @@
               </a:ln>
               <a:extLst>
                 <a:ext uri="{91240B29-F687-4f45-9708-019B960494DF}">
-                  <a14:hiddenLine xmlns="" xmlns:a14="http://schemas.microsoft.com/office/drawing/2010/main" w="9525">
+                  <a14:hiddenLine xmlns:a14="http://schemas.microsoft.com/office/drawing/2010/main" xmlns="" w="9525">
                     <a:solidFill>
                       <a:srgbClr val="000000"/>
                     </a:solidFill>
@@ -10367,7 +10367,7 @@
               </a:ln>
               <a:extLst>
                 <a:ext uri="{91240B29-F687-4f45-9708-019B960494DF}">
-                  <a14:hiddenLine xmlns="" xmlns:a14="http://schemas.microsoft.com/office/drawing/2010/main" w="9525">
+                  <a14:hiddenLine xmlns:a14="http://schemas.microsoft.com/office/drawing/2010/main" xmlns="" w="9525">
                     <a:solidFill>
                       <a:srgbClr val="000000"/>
                     </a:solidFill>
@@ -10429,7 +10429,7 @@
               </a:ln>
               <a:extLst>
                 <a:ext uri="{91240B29-F687-4f45-9708-019B960494DF}">
-                  <a14:hiddenLine xmlns="" xmlns:a14="http://schemas.microsoft.com/office/drawing/2010/main" w="9525">
+                  <a14:hiddenLine xmlns:a14="http://schemas.microsoft.com/office/drawing/2010/main" xmlns="" w="9525">
                     <a:solidFill>
                       <a:srgbClr val="000000"/>
                     </a:solidFill>
@@ -10519,7 +10519,7 @@
               </a:ln>
               <a:extLst>
                 <a:ext uri="{91240B29-F687-4f45-9708-019B960494DF}">
-                  <a14:hiddenLine xmlns="" xmlns:a14="http://schemas.microsoft.com/office/drawing/2010/main" w="9525">
+                  <a14:hiddenLine xmlns:a14="http://schemas.microsoft.com/office/drawing/2010/main" xmlns="" w="9525">
                     <a:solidFill>
                       <a:srgbClr val="000000"/>
                     </a:solidFill>
@@ -10584,7 +10584,7 @@
               </a:ln>
               <a:extLst>
                 <a:ext uri="{91240B29-F687-4f45-9708-019B960494DF}">
-                  <a14:hiddenLine xmlns="" xmlns:a14="http://schemas.microsoft.com/office/drawing/2010/main" w="9525">
+                  <a14:hiddenLine xmlns:a14="http://schemas.microsoft.com/office/drawing/2010/main" xmlns="" w="9525">
                     <a:solidFill>
                       <a:srgbClr val="000000"/>
                     </a:solidFill>
@@ -10646,7 +10646,7 @@
               </a:ln>
               <a:extLst>
                 <a:ext uri="{91240B29-F687-4f45-9708-019B960494DF}">
-                  <a14:hiddenLine xmlns="" xmlns:a14="http://schemas.microsoft.com/office/drawing/2010/main" w="9525">
+                  <a14:hiddenLine xmlns:a14="http://schemas.microsoft.com/office/drawing/2010/main" xmlns="" w="9525">
                     <a:solidFill>
                       <a:srgbClr val="000000"/>
                     </a:solidFill>
@@ -10736,7 +10736,7 @@
               </a:ln>
               <a:extLst>
                 <a:ext uri="{91240B29-F687-4f45-9708-019B960494DF}">
-                  <a14:hiddenLine xmlns="" xmlns:a14="http://schemas.microsoft.com/office/drawing/2010/main" w="9525">
+                  <a14:hiddenLine xmlns:a14="http://schemas.microsoft.com/office/drawing/2010/main" xmlns="" w="9525">
                     <a:solidFill>
                       <a:srgbClr val="000000"/>
                     </a:solidFill>
@@ -10826,7 +10826,7 @@
               </a:ln>
               <a:extLst>
                 <a:ext uri="{91240B29-F687-4f45-9708-019B960494DF}">
-                  <a14:hiddenLine xmlns="" xmlns:a14="http://schemas.microsoft.com/office/drawing/2010/main" w="9525">
+                  <a14:hiddenLine xmlns:a14="http://schemas.microsoft.com/office/drawing/2010/main" xmlns="" w="9525">
                     <a:solidFill>
                       <a:srgbClr val="000000"/>
                     </a:solidFill>
@@ -10891,7 +10891,7 @@
               </a:ln>
               <a:extLst>
                 <a:ext uri="{91240B29-F687-4f45-9708-019B960494DF}">
-                  <a14:hiddenLine xmlns="" xmlns:a14="http://schemas.microsoft.com/office/drawing/2010/main" w="9525">
+                  <a14:hiddenLine xmlns:a14="http://schemas.microsoft.com/office/drawing/2010/main" xmlns="" w="9525">
                     <a:solidFill>
                       <a:srgbClr val="000000"/>
                     </a:solidFill>
@@ -11011,7 +11011,7 @@
               </a:ln>
               <a:extLst>
                 <a:ext uri="{91240B29-F687-4f45-9708-019B960494DF}">
-                  <a14:hiddenLine xmlns="" xmlns:a14="http://schemas.microsoft.com/office/drawing/2010/main" w="9525">
+                  <a14:hiddenLine xmlns:a14="http://schemas.microsoft.com/office/drawing/2010/main" xmlns="" w="9525">
                     <a:solidFill>
                       <a:srgbClr val="000000"/>
                     </a:solidFill>
@@ -11092,7 +11092,7 @@
               </a:ln>
               <a:extLst>
                 <a:ext uri="{91240B29-F687-4f45-9708-019B960494DF}">
-                  <a14:hiddenLine xmlns="" xmlns:a14="http://schemas.microsoft.com/office/drawing/2010/main" w="9525">
+                  <a14:hiddenLine xmlns:a14="http://schemas.microsoft.com/office/drawing/2010/main" xmlns="" w="9525">
                     <a:solidFill>
                       <a:srgbClr val="000000"/>
                     </a:solidFill>
@@ -11207,7 +11207,7 @@
               </a:ln>
               <a:extLst>
                 <a:ext uri="{91240B29-F687-4f45-9708-019B960494DF}">
-                  <a14:hiddenLine xmlns="" xmlns:a14="http://schemas.microsoft.com/office/drawing/2010/main" w="9525">
+                  <a14:hiddenLine xmlns:a14="http://schemas.microsoft.com/office/drawing/2010/main" xmlns="" w="9525">
                     <a:solidFill>
                       <a:srgbClr val="000000"/>
                     </a:solidFill>
@@ -11297,7 +11297,7 @@
               </a:ln>
               <a:extLst>
                 <a:ext uri="{91240B29-F687-4f45-9708-019B960494DF}">
-                  <a14:hiddenLine xmlns="" xmlns:a14="http://schemas.microsoft.com/office/drawing/2010/main" w="9525">
+                  <a14:hiddenLine xmlns:a14="http://schemas.microsoft.com/office/drawing/2010/main" xmlns="" w="9525">
                     <a:solidFill>
                       <a:srgbClr val="000000"/>
                     </a:solidFill>
@@ -11362,7 +11362,7 @@
               </a:ln>
               <a:extLst>
                 <a:ext uri="{91240B29-F687-4f45-9708-019B960494DF}">
-                  <a14:hiddenLine xmlns="" xmlns:a14="http://schemas.microsoft.com/office/drawing/2010/main" w="9525">
+                  <a14:hiddenLine xmlns:a14="http://schemas.microsoft.com/office/drawing/2010/main" xmlns="" w="9525">
                     <a:solidFill>
                       <a:srgbClr val="000000"/>
                     </a:solidFill>
@@ -11452,7 +11452,7 @@
               </a:ln>
               <a:extLst>
                 <a:ext uri="{91240B29-F687-4f45-9708-019B960494DF}">
-                  <a14:hiddenLine xmlns="" xmlns:a14="http://schemas.microsoft.com/office/drawing/2010/main" w="9525">
+                  <a14:hiddenLine xmlns:a14="http://schemas.microsoft.com/office/drawing/2010/main" xmlns="" w="9525">
                     <a:solidFill>
                       <a:srgbClr val="000000"/>
                     </a:solidFill>
@@ -11520,7 +11520,7 @@
               </a:ln>
               <a:extLst>
                 <a:ext uri="{91240B29-F687-4f45-9708-019B960494DF}">
-                  <a14:hiddenLine xmlns="" xmlns:a14="http://schemas.microsoft.com/office/drawing/2010/main" w="9525">
+                  <a14:hiddenLine xmlns:a14="http://schemas.microsoft.com/office/drawing/2010/main" xmlns="" w="9525">
                     <a:solidFill>
                       <a:srgbClr val="000000"/>
                     </a:solidFill>
@@ -11610,7 +11610,7 @@
               </a:ln>
               <a:extLst>
                 <a:ext uri="{91240B29-F687-4f45-9708-019B960494DF}">
-                  <a14:hiddenLine xmlns="" xmlns:a14="http://schemas.microsoft.com/office/drawing/2010/main" w="9525">
+                  <a14:hiddenLine xmlns:a14="http://schemas.microsoft.com/office/drawing/2010/main" xmlns="" w="9525">
                     <a:solidFill>
                       <a:srgbClr val="000000"/>
                     </a:solidFill>
@@ -11678,7 +11678,7 @@
               </a:ln>
               <a:extLst>
                 <a:ext uri="{91240B29-F687-4f45-9708-019B960494DF}">
-                  <a14:hiddenLine xmlns="" xmlns:a14="http://schemas.microsoft.com/office/drawing/2010/main" w="9525">
+                  <a14:hiddenLine xmlns:a14="http://schemas.microsoft.com/office/drawing/2010/main" xmlns="" w="9525">
                     <a:solidFill>
                       <a:srgbClr val="000000"/>
                     </a:solidFill>
@@ -11768,7 +11768,7 @@
               </a:ln>
               <a:extLst>
                 <a:ext uri="{91240B29-F687-4f45-9708-019B960494DF}">
-                  <a14:hiddenLine xmlns="" xmlns:a14="http://schemas.microsoft.com/office/drawing/2010/main" w="9525">
+                  <a14:hiddenLine xmlns:a14="http://schemas.microsoft.com/office/drawing/2010/main" xmlns="" w="9525">
                     <a:solidFill>
                       <a:srgbClr val="000000"/>
                     </a:solidFill>
@@ -11802,7 +11802,7 @@
               </a:ln>
               <a:extLst>
                 <a:ext uri="{91240B29-F687-4f45-9708-019B960494DF}">
-                  <a14:hiddenLine xmlns="" xmlns:a14="http://schemas.microsoft.com/office/drawing/2010/main" w="9525">
+                  <a14:hiddenLine xmlns:a14="http://schemas.microsoft.com/office/drawing/2010/main" xmlns="" w="9525">
                     <a:solidFill>
                       <a:srgbClr val="000000"/>
                     </a:solidFill>
@@ -16241,44 +16241,65 @@
             </a:r>
             <a:r>
               <a:rPr lang="en-US" sz="1800" dirty="0" smtClean="0"/>
-              <a:t> : </a:t>
-            </a:r>
-            <a:r>
-              <a:rPr lang="en-US" sz="1800" dirty="0" smtClean="0">
+              <a:t> </a:t>
+            </a:r>
+            <a:r>
+              <a:rPr lang="en-US" sz="1800" smtClean="0"/>
+              <a:t>: </a:t>
+            </a:r>
+            <a:r>
+              <a:rPr lang="en-US" sz="1800">
                 <a:hlinkClick r:id="rId5"/>
               </a:rPr>
-              <a:t>http://github.com/benkuper/LaMoucheFolle</a:t>
+              <a:t>https</a:t>
+            </a:r>
+            <a:r>
+              <a:rPr lang="en-US" sz="1800">
+                <a:hlinkClick r:id="rId5"/>
+              </a:rPr>
+              <a:t>://</a:t>
+            </a:r>
+            <a:r>
+              <a:rPr lang="en-US" sz="1800" smtClean="0">
+                <a:hlinkClick r:id="rId5"/>
+              </a:rPr>
+              <a:t>github.com/benkuper/LaMoucheFolle/releases</a:t>
+            </a:r>
+            <a:r>
+              <a:rPr lang="en-US" sz="1800" smtClean="0"/>
+              <a:t> </a:t>
+            </a:r>
+          </a:p>
+          <a:p>
+            <a:r>
+              <a:rPr lang="en-US" sz="1800" smtClean="0"/>
+              <a:t>MrTracker</a:t>
             </a:r>
             <a:r>
               <a:rPr lang="en-US" sz="1800" dirty="0" smtClean="0"/>
               <a:t> </a:t>
             </a:r>
-          </a:p>
-          <a:p>
-            <a:r>
-              <a:rPr lang="en-US" sz="1800" dirty="0" err="1" smtClean="0"/>
-              <a:t>MrTracker</a:t>
-            </a:r>
             <a:r>
               <a:rPr lang="en-US" sz="1800" dirty="0"/>
-              <a:t> : </a:t>
+              <a:t>: </a:t>
             </a:r>
             <a:r>
               <a:rPr lang="en-US" sz="1800" dirty="0">
                 <a:hlinkClick r:id="rId6"/>
               </a:rPr>
-              <a:t>https://</a:t>
+              <a:t>https://bitbucket.org/lyptik/mrtracker/downloads</a:t>
             </a:r>
             <a:r>
               <a:rPr lang="en-US" sz="1800" dirty="0" smtClean="0">
                 <a:hlinkClick r:id="rId6"/>
               </a:rPr>
-              <a:t>bitbucket.org/lyptik/mrtracker</a:t>
+              <a:t>/</a:t>
             </a:r>
             <a:r>
               <a:rPr lang="en-US" sz="1800" dirty="0" smtClean="0"/>
               <a:t> </a:t>
             </a:r>
+            <a:endParaRPr lang="en-US" sz="1800" dirty="0" smtClean="0"/>
           </a:p>
           <a:p>
             <a:r>
